--- a/Cosmos.pptx
+++ b/Cosmos.pptx
@@ -293,1271 +293,6 @@
     </p:ext>
   </p:extLst>
 </p:presentation>
-</file>
-
-<file path=ppt/revisionInfo.xml><?xml version="1.0" encoding="utf-8"?>
-<p1510:revInfo xmlns:a="http://schemas.openxmlformats.org/drawingml/2006/main" xmlns:r="http://schemas.openxmlformats.org/officeDocument/2006/relationships" xmlns:p1510="http://schemas.microsoft.com/office/powerpoint/2015/10/main">
-  <p1510:revLst>
-    <p1510:client id="{AC70C2CD-C176-4FA1-A7FA-3D089AA534AD}" v="23" dt="2022-03-20T15:42:34.961"/>
-  </p1510:revLst>
-</p1510:revInfo>
-</file>
-
-<file path=ppt/changesInfos/changesInfo1.xml><?xml version="1.0" encoding="utf-8"?>
-<pc:chgInfo xmlns:a="http://schemas.openxmlformats.org/drawingml/2006/main" xmlns:r="http://schemas.openxmlformats.org/officeDocument/2006/relationships" xmlns:ac="http://schemas.microsoft.com/office/drawing/2013/main/command" xmlns:pc="http://schemas.microsoft.com/office/powerpoint/2013/main/command">
-  <pc:docChgLst>
-    <pc:chgData name="mariel messi" userId="209479780009dfaa" providerId="LiveId" clId="{AC70C2CD-C176-4FA1-A7FA-3D089AA534AD}"/>
-    <pc:docChg chg="undo custSel addSld delSld modSld sldOrd delMainMaster">
-      <pc:chgData name="mariel messi" userId="209479780009dfaa" providerId="LiveId" clId="{AC70C2CD-C176-4FA1-A7FA-3D089AA534AD}" dt="2022-03-20T15:42:39.458" v="819" actId="478"/>
-      <pc:docMkLst>
-        <pc:docMk/>
-      </pc:docMkLst>
-      <pc:sldChg chg="addSp delSp modSp mod">
-        <pc:chgData name="mariel messi" userId="209479780009dfaa" providerId="LiveId" clId="{AC70C2CD-C176-4FA1-A7FA-3D089AA534AD}" dt="2022-03-20T15:42:39.458" v="819" actId="478"/>
-        <pc:sldMkLst>
-          <pc:docMk/>
-          <pc:sldMk cId="0" sldId="256"/>
-        </pc:sldMkLst>
-        <pc:spChg chg="add mod">
-          <ac:chgData name="mariel messi" userId="209479780009dfaa" providerId="LiveId" clId="{AC70C2CD-C176-4FA1-A7FA-3D089AA534AD}" dt="2022-03-20T15:17:01.501" v="477" actId="1076"/>
-          <ac:spMkLst>
-            <pc:docMk/>
-            <pc:sldMk cId="0" sldId="256"/>
-            <ac:spMk id="2" creationId="{81323127-0962-44AF-A674-ED7E0BB0E5DF}"/>
-          </ac:spMkLst>
-        </pc:spChg>
-        <pc:spChg chg="mod">
-          <ac:chgData name="mariel messi" userId="209479780009dfaa" providerId="LiveId" clId="{AC70C2CD-C176-4FA1-A7FA-3D089AA534AD}" dt="2022-03-20T15:28:10.906" v="614" actId="20577"/>
-          <ac:spMkLst>
-            <pc:docMk/>
-            <pc:sldMk cId="0" sldId="256"/>
-            <ac:spMk id="9" creationId="{016862AF-43E2-454D-B2BA-A0DF2233FEA1}"/>
-          </ac:spMkLst>
-        </pc:spChg>
-        <pc:picChg chg="add del mod">
-          <ac:chgData name="mariel messi" userId="209479780009dfaa" providerId="LiveId" clId="{AC70C2CD-C176-4FA1-A7FA-3D089AA534AD}" dt="2022-03-20T15:42:39.458" v="819" actId="478"/>
-          <ac:picMkLst>
-            <pc:docMk/>
-            <pc:sldMk cId="0" sldId="256"/>
-            <ac:picMk id="3" creationId="{36F15BC6-5C93-4104-A25E-854560960B1E}"/>
-          </ac:picMkLst>
-        </pc:picChg>
-      </pc:sldChg>
-      <pc:sldChg chg="modSp mod ord">
-        <pc:chgData name="mariel messi" userId="209479780009dfaa" providerId="LiveId" clId="{AC70C2CD-C176-4FA1-A7FA-3D089AA534AD}" dt="2022-03-20T15:39:44.940" v="816" actId="20577"/>
-        <pc:sldMkLst>
-          <pc:docMk/>
-          <pc:sldMk cId="0" sldId="257"/>
-        </pc:sldMkLst>
-        <pc:spChg chg="mod">
-          <ac:chgData name="mariel messi" userId="209479780009dfaa" providerId="LiveId" clId="{AC70C2CD-C176-4FA1-A7FA-3D089AA534AD}" dt="2022-03-20T14:19:27.696" v="29" actId="20577"/>
-          <ac:spMkLst>
-            <pc:docMk/>
-            <pc:sldMk cId="0" sldId="257"/>
-            <ac:spMk id="340" creationId="{00000000-0000-0000-0000-000000000000}"/>
-          </ac:spMkLst>
-        </pc:spChg>
-        <pc:spChg chg="mod">
-          <ac:chgData name="mariel messi" userId="209479780009dfaa" providerId="LiveId" clId="{AC70C2CD-C176-4FA1-A7FA-3D089AA534AD}" dt="2022-03-20T15:39:44.940" v="816" actId="20577"/>
-          <ac:spMkLst>
-            <pc:docMk/>
-            <pc:sldMk cId="0" sldId="257"/>
-            <ac:spMk id="341" creationId="{00000000-0000-0000-0000-000000000000}"/>
-          </ac:spMkLst>
-        </pc:spChg>
-      </pc:sldChg>
-      <pc:sldChg chg="del">
-        <pc:chgData name="mariel messi" userId="209479780009dfaa" providerId="LiveId" clId="{AC70C2CD-C176-4FA1-A7FA-3D089AA534AD}" dt="2022-03-20T15:36:20.357" v="813" actId="47"/>
-        <pc:sldMkLst>
-          <pc:docMk/>
-          <pc:sldMk cId="0" sldId="258"/>
-        </pc:sldMkLst>
-      </pc:sldChg>
-      <pc:sldChg chg="modSp mod">
-        <pc:chgData name="mariel messi" userId="209479780009dfaa" providerId="LiveId" clId="{AC70C2CD-C176-4FA1-A7FA-3D089AA534AD}" dt="2022-03-20T15:13:31.733" v="359" actId="1076"/>
-        <pc:sldMkLst>
-          <pc:docMk/>
-          <pc:sldMk cId="0" sldId="259"/>
-        </pc:sldMkLst>
-        <pc:spChg chg="mod">
-          <ac:chgData name="mariel messi" userId="209479780009dfaa" providerId="LiveId" clId="{AC70C2CD-C176-4FA1-A7FA-3D089AA534AD}" dt="2022-03-20T15:13:31.733" v="359" actId="1076"/>
-          <ac:spMkLst>
-            <pc:docMk/>
-            <pc:sldMk cId="0" sldId="259"/>
-            <ac:spMk id="361" creationId="{00000000-0000-0000-0000-000000000000}"/>
-          </ac:spMkLst>
-        </pc:spChg>
-      </pc:sldChg>
-      <pc:sldChg chg="addSp delSp modSp mod">
-        <pc:chgData name="mariel messi" userId="209479780009dfaa" providerId="LiveId" clId="{AC70C2CD-C176-4FA1-A7FA-3D089AA534AD}" dt="2022-03-20T15:35:26.793" v="805" actId="207"/>
-        <pc:sldMkLst>
-          <pc:docMk/>
-          <pc:sldMk cId="0" sldId="260"/>
-        </pc:sldMkLst>
-        <pc:spChg chg="add del mod">
-          <ac:chgData name="mariel messi" userId="209479780009dfaa" providerId="LiveId" clId="{AC70C2CD-C176-4FA1-A7FA-3D089AA534AD}" dt="2022-03-20T15:32:17.840" v="735" actId="478"/>
-          <ac:spMkLst>
-            <pc:docMk/>
-            <pc:sldMk cId="0" sldId="260"/>
-            <ac:spMk id="3" creationId="{AE71AA35-066F-4736-A3D6-877AF0CE89D4}"/>
-          </ac:spMkLst>
-        </pc:spChg>
-        <pc:spChg chg="add mod">
-          <ac:chgData name="mariel messi" userId="209479780009dfaa" providerId="LiveId" clId="{AC70C2CD-C176-4FA1-A7FA-3D089AA534AD}" dt="2022-03-20T15:35:26.793" v="805" actId="207"/>
-          <ac:spMkLst>
-            <pc:docMk/>
-            <pc:sldMk cId="0" sldId="260"/>
-            <ac:spMk id="4" creationId="{B67EC0F0-062F-4B75-8F65-CA72091CFBA6}"/>
-          </ac:spMkLst>
-        </pc:spChg>
-        <pc:spChg chg="del">
-          <ac:chgData name="mariel messi" userId="209479780009dfaa" providerId="LiveId" clId="{AC70C2CD-C176-4FA1-A7FA-3D089AA534AD}" dt="2022-03-20T15:32:16.306" v="734" actId="478"/>
-          <ac:spMkLst>
-            <pc:docMk/>
-            <pc:sldMk cId="0" sldId="260"/>
-            <ac:spMk id="368" creationId="{00000000-0000-0000-0000-000000000000}"/>
-          </ac:spMkLst>
-        </pc:spChg>
-        <pc:spChg chg="mod">
-          <ac:chgData name="mariel messi" userId="209479780009dfaa" providerId="LiveId" clId="{AC70C2CD-C176-4FA1-A7FA-3D089AA534AD}" dt="2022-03-20T15:32:12.067" v="733" actId="20577"/>
-          <ac:spMkLst>
-            <pc:docMk/>
-            <pc:sldMk cId="0" sldId="260"/>
-            <ac:spMk id="369" creationId="{00000000-0000-0000-0000-000000000000}"/>
-          </ac:spMkLst>
-        </pc:spChg>
-      </pc:sldChg>
-      <pc:sldChg chg="modSp mod">
-        <pc:chgData name="mariel messi" userId="209479780009dfaa" providerId="LiveId" clId="{AC70C2CD-C176-4FA1-A7FA-3D089AA534AD}" dt="2022-03-20T15:26:34.419" v="590" actId="1076"/>
-        <pc:sldMkLst>
-          <pc:docMk/>
-          <pc:sldMk cId="0" sldId="262"/>
-        </pc:sldMkLst>
-        <pc:spChg chg="mod">
-          <ac:chgData name="mariel messi" userId="209479780009dfaa" providerId="LiveId" clId="{AC70C2CD-C176-4FA1-A7FA-3D089AA534AD}" dt="2022-03-20T15:26:34.419" v="590" actId="1076"/>
-          <ac:spMkLst>
-            <pc:docMk/>
-            <pc:sldMk cId="0" sldId="262"/>
-            <ac:spMk id="380" creationId="{00000000-0000-0000-0000-000000000000}"/>
-          </ac:spMkLst>
-        </pc:spChg>
-      </pc:sldChg>
-      <pc:sldChg chg="del">
-        <pc:chgData name="mariel messi" userId="209479780009dfaa" providerId="LiveId" clId="{AC70C2CD-C176-4FA1-A7FA-3D089AA534AD}" dt="2022-03-20T15:36:30.101" v="815" actId="47"/>
-        <pc:sldMkLst>
-          <pc:docMk/>
-          <pc:sldMk cId="0" sldId="263"/>
-        </pc:sldMkLst>
-      </pc:sldChg>
-      <pc:sldChg chg="del">
-        <pc:chgData name="mariel messi" userId="209479780009dfaa" providerId="LiveId" clId="{AC70C2CD-C176-4FA1-A7FA-3D089AA534AD}" dt="2022-03-20T15:36:30.101" v="815" actId="47"/>
-        <pc:sldMkLst>
-          <pc:docMk/>
-          <pc:sldMk cId="0" sldId="264"/>
-        </pc:sldMkLst>
-      </pc:sldChg>
-      <pc:sldChg chg="del">
-        <pc:chgData name="mariel messi" userId="209479780009dfaa" providerId="LiveId" clId="{AC70C2CD-C176-4FA1-A7FA-3D089AA534AD}" dt="2022-03-20T15:36:26.849" v="814" actId="47"/>
-        <pc:sldMkLst>
-          <pc:docMk/>
-          <pc:sldMk cId="0" sldId="265"/>
-        </pc:sldMkLst>
-      </pc:sldChg>
-      <pc:sldChg chg="del">
-        <pc:chgData name="mariel messi" userId="209479780009dfaa" providerId="LiveId" clId="{AC70C2CD-C176-4FA1-A7FA-3D089AA534AD}" dt="2022-03-20T15:36:26.849" v="814" actId="47"/>
-        <pc:sldMkLst>
-          <pc:docMk/>
-          <pc:sldMk cId="0" sldId="266"/>
-        </pc:sldMkLst>
-      </pc:sldChg>
-      <pc:sldChg chg="del">
-        <pc:chgData name="mariel messi" userId="209479780009dfaa" providerId="LiveId" clId="{AC70C2CD-C176-4FA1-A7FA-3D089AA534AD}" dt="2022-03-20T15:36:26.849" v="814" actId="47"/>
-        <pc:sldMkLst>
-          <pc:docMk/>
-          <pc:sldMk cId="0" sldId="267"/>
-        </pc:sldMkLst>
-      </pc:sldChg>
-      <pc:sldChg chg="del">
-        <pc:chgData name="mariel messi" userId="209479780009dfaa" providerId="LiveId" clId="{AC70C2CD-C176-4FA1-A7FA-3D089AA534AD}" dt="2022-03-20T15:36:26.849" v="814" actId="47"/>
-        <pc:sldMkLst>
-          <pc:docMk/>
-          <pc:sldMk cId="0" sldId="268"/>
-        </pc:sldMkLst>
-      </pc:sldChg>
-      <pc:sldChg chg="del">
-        <pc:chgData name="mariel messi" userId="209479780009dfaa" providerId="LiveId" clId="{AC70C2CD-C176-4FA1-A7FA-3D089AA534AD}" dt="2022-03-20T15:36:26.849" v="814" actId="47"/>
-        <pc:sldMkLst>
-          <pc:docMk/>
-          <pc:sldMk cId="0" sldId="269"/>
-        </pc:sldMkLst>
-      </pc:sldChg>
-      <pc:sldChg chg="addSp delSp modSp mod ord modNotes">
-        <pc:chgData name="mariel messi" userId="209479780009dfaa" providerId="LiveId" clId="{AC70C2CD-C176-4FA1-A7FA-3D089AA534AD}" dt="2022-03-20T14:51:01.508" v="229"/>
-        <pc:sldMkLst>
-          <pc:docMk/>
-          <pc:sldMk cId="0" sldId="270"/>
-        </pc:sldMkLst>
-        <pc:spChg chg="add del mod">
-          <ac:chgData name="mariel messi" userId="209479780009dfaa" providerId="LiveId" clId="{AC70C2CD-C176-4FA1-A7FA-3D089AA534AD}" dt="2022-03-20T14:31:01.348" v="104" actId="478"/>
-          <ac:spMkLst>
-            <pc:docMk/>
-            <pc:sldMk cId="0" sldId="270"/>
-            <ac:spMk id="3" creationId="{E2B36326-38DC-4B5B-A7FE-2DD376AFA83C}"/>
-          </ac:spMkLst>
-        </pc:spChg>
-        <pc:spChg chg="del">
-          <ac:chgData name="mariel messi" userId="209479780009dfaa" providerId="LiveId" clId="{AC70C2CD-C176-4FA1-A7FA-3D089AA534AD}" dt="2022-03-20T14:30:59.726" v="103" actId="478"/>
-          <ac:spMkLst>
-            <pc:docMk/>
-            <pc:sldMk cId="0" sldId="270"/>
-            <ac:spMk id="531" creationId="{00000000-0000-0000-0000-000000000000}"/>
-          </ac:spMkLst>
-        </pc:spChg>
-        <pc:spChg chg="mod">
-          <ac:chgData name="mariel messi" userId="209479780009dfaa" providerId="LiveId" clId="{AC70C2CD-C176-4FA1-A7FA-3D089AA534AD}" dt="2022-03-20T14:38:36.289" v="134" actId="1076"/>
-          <ac:spMkLst>
-            <pc:docMk/>
-            <pc:sldMk cId="0" sldId="270"/>
-            <ac:spMk id="532" creationId="{00000000-0000-0000-0000-000000000000}"/>
-          </ac:spMkLst>
-        </pc:spChg>
-        <pc:spChg chg="del">
-          <ac:chgData name="mariel messi" userId="209479780009dfaa" providerId="LiveId" clId="{AC70C2CD-C176-4FA1-A7FA-3D089AA534AD}" dt="2022-03-20T14:31:08.118" v="105" actId="478"/>
-          <ac:spMkLst>
-            <pc:docMk/>
-            <pc:sldMk cId="0" sldId="270"/>
-            <ac:spMk id="533" creationId="{00000000-0000-0000-0000-000000000000}"/>
-          </ac:spMkLst>
-        </pc:spChg>
-        <pc:spChg chg="del">
-          <ac:chgData name="mariel messi" userId="209479780009dfaa" providerId="LiveId" clId="{AC70C2CD-C176-4FA1-A7FA-3D089AA534AD}" dt="2022-03-20T14:31:08.118" v="105" actId="478"/>
-          <ac:spMkLst>
-            <pc:docMk/>
-            <pc:sldMk cId="0" sldId="270"/>
-            <ac:spMk id="535" creationId="{00000000-0000-0000-0000-000000000000}"/>
-          </ac:spMkLst>
-        </pc:spChg>
-        <pc:spChg chg="del">
-          <ac:chgData name="mariel messi" userId="209479780009dfaa" providerId="LiveId" clId="{AC70C2CD-C176-4FA1-A7FA-3D089AA534AD}" dt="2022-03-20T14:31:08.118" v="105" actId="478"/>
-          <ac:spMkLst>
-            <pc:docMk/>
-            <pc:sldMk cId="0" sldId="270"/>
-            <ac:spMk id="536" creationId="{00000000-0000-0000-0000-000000000000}"/>
-          </ac:spMkLst>
-        </pc:spChg>
-        <pc:spChg chg="del">
-          <ac:chgData name="mariel messi" userId="209479780009dfaa" providerId="LiveId" clId="{AC70C2CD-C176-4FA1-A7FA-3D089AA534AD}" dt="2022-03-20T14:31:08.118" v="105" actId="478"/>
-          <ac:spMkLst>
-            <pc:docMk/>
-            <pc:sldMk cId="0" sldId="270"/>
-            <ac:spMk id="537" creationId="{00000000-0000-0000-0000-000000000000}"/>
-          </ac:spMkLst>
-        </pc:spChg>
-        <pc:spChg chg="del">
-          <ac:chgData name="mariel messi" userId="209479780009dfaa" providerId="LiveId" clId="{AC70C2CD-C176-4FA1-A7FA-3D089AA534AD}" dt="2022-03-20T14:31:08.118" v="105" actId="478"/>
-          <ac:spMkLst>
-            <pc:docMk/>
-            <pc:sldMk cId="0" sldId="270"/>
-            <ac:spMk id="538" creationId="{00000000-0000-0000-0000-000000000000}"/>
-          </ac:spMkLst>
-        </pc:spChg>
-        <pc:spChg chg="del">
-          <ac:chgData name="mariel messi" userId="209479780009dfaa" providerId="LiveId" clId="{AC70C2CD-C176-4FA1-A7FA-3D089AA534AD}" dt="2022-03-20T14:31:08.118" v="105" actId="478"/>
-          <ac:spMkLst>
-            <pc:docMk/>
-            <pc:sldMk cId="0" sldId="270"/>
-            <ac:spMk id="539" creationId="{00000000-0000-0000-0000-000000000000}"/>
-          </ac:spMkLst>
-        </pc:spChg>
-        <pc:spChg chg="del">
-          <ac:chgData name="mariel messi" userId="209479780009dfaa" providerId="LiveId" clId="{AC70C2CD-C176-4FA1-A7FA-3D089AA534AD}" dt="2022-03-20T14:31:08.118" v="105" actId="478"/>
-          <ac:spMkLst>
-            <pc:docMk/>
-            <pc:sldMk cId="0" sldId="270"/>
-            <ac:spMk id="540" creationId="{00000000-0000-0000-0000-000000000000}"/>
-          </ac:spMkLst>
-        </pc:spChg>
-        <pc:spChg chg="del">
-          <ac:chgData name="mariel messi" userId="209479780009dfaa" providerId="LiveId" clId="{AC70C2CD-C176-4FA1-A7FA-3D089AA534AD}" dt="2022-03-20T14:31:08.118" v="105" actId="478"/>
-          <ac:spMkLst>
-            <pc:docMk/>
-            <pc:sldMk cId="0" sldId="270"/>
-            <ac:spMk id="541" creationId="{00000000-0000-0000-0000-000000000000}"/>
-          </ac:spMkLst>
-        </pc:spChg>
-        <pc:spChg chg="del">
-          <ac:chgData name="mariel messi" userId="209479780009dfaa" providerId="LiveId" clId="{AC70C2CD-C176-4FA1-A7FA-3D089AA534AD}" dt="2022-03-20T14:31:08.118" v="105" actId="478"/>
-          <ac:spMkLst>
-            <pc:docMk/>
-            <pc:sldMk cId="0" sldId="270"/>
-            <ac:spMk id="542" creationId="{00000000-0000-0000-0000-000000000000}"/>
-          </ac:spMkLst>
-        </pc:spChg>
-        <pc:spChg chg="del">
-          <ac:chgData name="mariel messi" userId="209479780009dfaa" providerId="LiveId" clId="{AC70C2CD-C176-4FA1-A7FA-3D089AA534AD}" dt="2022-03-20T14:31:08.118" v="105" actId="478"/>
-          <ac:spMkLst>
-            <pc:docMk/>
-            <pc:sldMk cId="0" sldId="270"/>
-            <ac:spMk id="543" creationId="{00000000-0000-0000-0000-000000000000}"/>
-          </ac:spMkLst>
-        </pc:spChg>
-        <pc:spChg chg="del">
-          <ac:chgData name="mariel messi" userId="209479780009dfaa" providerId="LiveId" clId="{AC70C2CD-C176-4FA1-A7FA-3D089AA534AD}" dt="2022-03-20T14:31:08.118" v="105" actId="478"/>
-          <ac:spMkLst>
-            <pc:docMk/>
-            <pc:sldMk cId="0" sldId="270"/>
-            <ac:spMk id="544" creationId="{00000000-0000-0000-0000-000000000000}"/>
-          </ac:spMkLst>
-        </pc:spChg>
-        <pc:spChg chg="del">
-          <ac:chgData name="mariel messi" userId="209479780009dfaa" providerId="LiveId" clId="{AC70C2CD-C176-4FA1-A7FA-3D089AA534AD}" dt="2022-03-20T14:31:08.118" v="105" actId="478"/>
-          <ac:spMkLst>
-            <pc:docMk/>
-            <pc:sldMk cId="0" sldId="270"/>
-            <ac:spMk id="545" creationId="{00000000-0000-0000-0000-000000000000}"/>
-          </ac:spMkLst>
-        </pc:spChg>
-        <pc:spChg chg="del">
-          <ac:chgData name="mariel messi" userId="209479780009dfaa" providerId="LiveId" clId="{AC70C2CD-C176-4FA1-A7FA-3D089AA534AD}" dt="2022-03-20T14:31:08.118" v="105" actId="478"/>
-          <ac:spMkLst>
-            <pc:docMk/>
-            <pc:sldMk cId="0" sldId="270"/>
-            <ac:spMk id="546" creationId="{00000000-0000-0000-0000-000000000000}"/>
-          </ac:spMkLst>
-        </pc:spChg>
-        <pc:spChg chg="del">
-          <ac:chgData name="mariel messi" userId="209479780009dfaa" providerId="LiveId" clId="{AC70C2CD-C176-4FA1-A7FA-3D089AA534AD}" dt="2022-03-20T14:31:08.118" v="105" actId="478"/>
-          <ac:spMkLst>
-            <pc:docMk/>
-            <pc:sldMk cId="0" sldId="270"/>
-            <ac:spMk id="547" creationId="{00000000-0000-0000-0000-000000000000}"/>
-          </ac:spMkLst>
-        </pc:spChg>
-        <pc:spChg chg="del">
-          <ac:chgData name="mariel messi" userId="209479780009dfaa" providerId="LiveId" clId="{AC70C2CD-C176-4FA1-A7FA-3D089AA534AD}" dt="2022-03-20T14:31:08.118" v="105" actId="478"/>
-          <ac:spMkLst>
-            <pc:docMk/>
-            <pc:sldMk cId="0" sldId="270"/>
-            <ac:spMk id="548" creationId="{00000000-0000-0000-0000-000000000000}"/>
-          </ac:spMkLst>
-        </pc:spChg>
-        <pc:spChg chg="del">
-          <ac:chgData name="mariel messi" userId="209479780009dfaa" providerId="LiveId" clId="{AC70C2CD-C176-4FA1-A7FA-3D089AA534AD}" dt="2022-03-20T14:31:08.118" v="105" actId="478"/>
-          <ac:spMkLst>
-            <pc:docMk/>
-            <pc:sldMk cId="0" sldId="270"/>
-            <ac:spMk id="549" creationId="{00000000-0000-0000-0000-000000000000}"/>
-          </ac:spMkLst>
-        </pc:spChg>
-        <pc:spChg chg="del">
-          <ac:chgData name="mariel messi" userId="209479780009dfaa" providerId="LiveId" clId="{AC70C2CD-C176-4FA1-A7FA-3D089AA534AD}" dt="2022-03-20T14:31:08.118" v="105" actId="478"/>
-          <ac:spMkLst>
-            <pc:docMk/>
-            <pc:sldMk cId="0" sldId="270"/>
-            <ac:spMk id="550" creationId="{00000000-0000-0000-0000-000000000000}"/>
-          </ac:spMkLst>
-        </pc:spChg>
-        <pc:spChg chg="del">
-          <ac:chgData name="mariel messi" userId="209479780009dfaa" providerId="LiveId" clId="{AC70C2CD-C176-4FA1-A7FA-3D089AA534AD}" dt="2022-03-20T14:31:08.118" v="105" actId="478"/>
-          <ac:spMkLst>
-            <pc:docMk/>
-            <pc:sldMk cId="0" sldId="270"/>
-            <ac:spMk id="551" creationId="{00000000-0000-0000-0000-000000000000}"/>
-          </ac:spMkLst>
-        </pc:spChg>
-        <pc:spChg chg="del">
-          <ac:chgData name="mariel messi" userId="209479780009dfaa" providerId="LiveId" clId="{AC70C2CD-C176-4FA1-A7FA-3D089AA534AD}" dt="2022-03-20T14:31:08.118" v="105" actId="478"/>
-          <ac:spMkLst>
-            <pc:docMk/>
-            <pc:sldMk cId="0" sldId="270"/>
-            <ac:spMk id="552" creationId="{00000000-0000-0000-0000-000000000000}"/>
-          </ac:spMkLst>
-        </pc:spChg>
-        <pc:spChg chg="del">
-          <ac:chgData name="mariel messi" userId="209479780009dfaa" providerId="LiveId" clId="{AC70C2CD-C176-4FA1-A7FA-3D089AA534AD}" dt="2022-03-20T14:31:08.118" v="105" actId="478"/>
-          <ac:spMkLst>
-            <pc:docMk/>
-            <pc:sldMk cId="0" sldId="270"/>
-            <ac:spMk id="553" creationId="{00000000-0000-0000-0000-000000000000}"/>
-          </ac:spMkLst>
-        </pc:spChg>
-        <pc:spChg chg="del">
-          <ac:chgData name="mariel messi" userId="209479780009dfaa" providerId="LiveId" clId="{AC70C2CD-C176-4FA1-A7FA-3D089AA534AD}" dt="2022-03-20T14:31:08.118" v="105" actId="478"/>
-          <ac:spMkLst>
-            <pc:docMk/>
-            <pc:sldMk cId="0" sldId="270"/>
-            <ac:spMk id="554" creationId="{00000000-0000-0000-0000-000000000000}"/>
-          </ac:spMkLst>
-        </pc:spChg>
-        <pc:spChg chg="del">
-          <ac:chgData name="mariel messi" userId="209479780009dfaa" providerId="LiveId" clId="{AC70C2CD-C176-4FA1-A7FA-3D089AA534AD}" dt="2022-03-20T14:31:08.118" v="105" actId="478"/>
-          <ac:spMkLst>
-            <pc:docMk/>
-            <pc:sldMk cId="0" sldId="270"/>
-            <ac:spMk id="555" creationId="{00000000-0000-0000-0000-000000000000}"/>
-          </ac:spMkLst>
-        </pc:spChg>
-        <pc:spChg chg="del">
-          <ac:chgData name="mariel messi" userId="209479780009dfaa" providerId="LiveId" clId="{AC70C2CD-C176-4FA1-A7FA-3D089AA534AD}" dt="2022-03-20T14:31:08.118" v="105" actId="478"/>
-          <ac:spMkLst>
-            <pc:docMk/>
-            <pc:sldMk cId="0" sldId="270"/>
-            <ac:spMk id="556" creationId="{00000000-0000-0000-0000-000000000000}"/>
-          </ac:spMkLst>
-        </pc:spChg>
-        <pc:spChg chg="del">
-          <ac:chgData name="mariel messi" userId="209479780009dfaa" providerId="LiveId" clId="{AC70C2CD-C176-4FA1-A7FA-3D089AA534AD}" dt="2022-03-20T14:31:08.118" v="105" actId="478"/>
-          <ac:spMkLst>
-            <pc:docMk/>
-            <pc:sldMk cId="0" sldId="270"/>
-            <ac:spMk id="557" creationId="{00000000-0000-0000-0000-000000000000}"/>
-          </ac:spMkLst>
-        </pc:spChg>
-        <pc:spChg chg="del">
-          <ac:chgData name="mariel messi" userId="209479780009dfaa" providerId="LiveId" clId="{AC70C2CD-C176-4FA1-A7FA-3D089AA534AD}" dt="2022-03-20T14:31:08.118" v="105" actId="478"/>
-          <ac:spMkLst>
-            <pc:docMk/>
-            <pc:sldMk cId="0" sldId="270"/>
-            <ac:spMk id="558" creationId="{00000000-0000-0000-0000-000000000000}"/>
-          </ac:spMkLst>
-        </pc:spChg>
-        <pc:spChg chg="del">
-          <ac:chgData name="mariel messi" userId="209479780009dfaa" providerId="LiveId" clId="{AC70C2CD-C176-4FA1-A7FA-3D089AA534AD}" dt="2022-03-20T14:31:08.118" v="105" actId="478"/>
-          <ac:spMkLst>
-            <pc:docMk/>
-            <pc:sldMk cId="0" sldId="270"/>
-            <ac:spMk id="559" creationId="{00000000-0000-0000-0000-000000000000}"/>
-          </ac:spMkLst>
-        </pc:spChg>
-        <pc:spChg chg="del">
-          <ac:chgData name="mariel messi" userId="209479780009dfaa" providerId="LiveId" clId="{AC70C2CD-C176-4FA1-A7FA-3D089AA534AD}" dt="2022-03-20T14:31:08.118" v="105" actId="478"/>
-          <ac:spMkLst>
-            <pc:docMk/>
-            <pc:sldMk cId="0" sldId="270"/>
-            <ac:spMk id="560" creationId="{00000000-0000-0000-0000-000000000000}"/>
-          </ac:spMkLst>
-        </pc:spChg>
-        <pc:spChg chg="del">
-          <ac:chgData name="mariel messi" userId="209479780009dfaa" providerId="LiveId" clId="{AC70C2CD-C176-4FA1-A7FA-3D089AA534AD}" dt="2022-03-20T14:31:08.118" v="105" actId="478"/>
-          <ac:spMkLst>
-            <pc:docMk/>
-            <pc:sldMk cId="0" sldId="270"/>
-            <ac:spMk id="561" creationId="{00000000-0000-0000-0000-000000000000}"/>
-          </ac:spMkLst>
-        </pc:spChg>
-        <pc:spChg chg="del">
-          <ac:chgData name="mariel messi" userId="209479780009dfaa" providerId="LiveId" clId="{AC70C2CD-C176-4FA1-A7FA-3D089AA534AD}" dt="2022-03-20T14:31:08.118" v="105" actId="478"/>
-          <ac:spMkLst>
-            <pc:docMk/>
-            <pc:sldMk cId="0" sldId="270"/>
-            <ac:spMk id="562" creationId="{00000000-0000-0000-0000-000000000000}"/>
-          </ac:spMkLst>
-        </pc:spChg>
-        <pc:spChg chg="del">
-          <ac:chgData name="mariel messi" userId="209479780009dfaa" providerId="LiveId" clId="{AC70C2CD-C176-4FA1-A7FA-3D089AA534AD}" dt="2022-03-20T14:31:08.118" v="105" actId="478"/>
-          <ac:spMkLst>
-            <pc:docMk/>
-            <pc:sldMk cId="0" sldId="270"/>
-            <ac:spMk id="563" creationId="{00000000-0000-0000-0000-000000000000}"/>
-          </ac:spMkLst>
-        </pc:spChg>
-        <pc:spChg chg="del">
-          <ac:chgData name="mariel messi" userId="209479780009dfaa" providerId="LiveId" clId="{AC70C2CD-C176-4FA1-A7FA-3D089AA534AD}" dt="2022-03-20T14:31:08.118" v="105" actId="478"/>
-          <ac:spMkLst>
-            <pc:docMk/>
-            <pc:sldMk cId="0" sldId="270"/>
-            <ac:spMk id="564" creationId="{00000000-0000-0000-0000-000000000000}"/>
-          </ac:spMkLst>
-        </pc:spChg>
-        <pc:spChg chg="del">
-          <ac:chgData name="mariel messi" userId="209479780009dfaa" providerId="LiveId" clId="{AC70C2CD-C176-4FA1-A7FA-3D089AA534AD}" dt="2022-03-20T14:31:08.118" v="105" actId="478"/>
-          <ac:spMkLst>
-            <pc:docMk/>
-            <pc:sldMk cId="0" sldId="270"/>
-            <ac:spMk id="565" creationId="{00000000-0000-0000-0000-000000000000}"/>
-          </ac:spMkLst>
-        </pc:spChg>
-        <pc:spChg chg="del">
-          <ac:chgData name="mariel messi" userId="209479780009dfaa" providerId="LiveId" clId="{AC70C2CD-C176-4FA1-A7FA-3D089AA534AD}" dt="2022-03-20T14:31:08.118" v="105" actId="478"/>
-          <ac:spMkLst>
-            <pc:docMk/>
-            <pc:sldMk cId="0" sldId="270"/>
-            <ac:spMk id="566" creationId="{00000000-0000-0000-0000-000000000000}"/>
-          </ac:spMkLst>
-        </pc:spChg>
-        <pc:spChg chg="del">
-          <ac:chgData name="mariel messi" userId="209479780009dfaa" providerId="LiveId" clId="{AC70C2CD-C176-4FA1-A7FA-3D089AA534AD}" dt="2022-03-20T14:31:08.118" v="105" actId="478"/>
-          <ac:spMkLst>
-            <pc:docMk/>
-            <pc:sldMk cId="0" sldId="270"/>
-            <ac:spMk id="567" creationId="{00000000-0000-0000-0000-000000000000}"/>
-          </ac:spMkLst>
-        </pc:spChg>
-        <pc:spChg chg="del">
-          <ac:chgData name="mariel messi" userId="209479780009dfaa" providerId="LiveId" clId="{AC70C2CD-C176-4FA1-A7FA-3D089AA534AD}" dt="2022-03-20T14:31:08.118" v="105" actId="478"/>
-          <ac:spMkLst>
-            <pc:docMk/>
-            <pc:sldMk cId="0" sldId="270"/>
-            <ac:spMk id="568" creationId="{00000000-0000-0000-0000-000000000000}"/>
-          </ac:spMkLst>
-        </pc:spChg>
-        <pc:spChg chg="del">
-          <ac:chgData name="mariel messi" userId="209479780009dfaa" providerId="LiveId" clId="{AC70C2CD-C176-4FA1-A7FA-3D089AA534AD}" dt="2022-03-20T14:31:08.118" v="105" actId="478"/>
-          <ac:spMkLst>
-            <pc:docMk/>
-            <pc:sldMk cId="0" sldId="270"/>
-            <ac:spMk id="569" creationId="{00000000-0000-0000-0000-000000000000}"/>
-          </ac:spMkLst>
-        </pc:spChg>
-        <pc:spChg chg="del">
-          <ac:chgData name="mariel messi" userId="209479780009dfaa" providerId="LiveId" clId="{AC70C2CD-C176-4FA1-A7FA-3D089AA534AD}" dt="2022-03-20T14:31:08.118" v="105" actId="478"/>
-          <ac:spMkLst>
-            <pc:docMk/>
-            <pc:sldMk cId="0" sldId="270"/>
-            <ac:spMk id="570" creationId="{00000000-0000-0000-0000-000000000000}"/>
-          </ac:spMkLst>
-        </pc:spChg>
-        <pc:spChg chg="del">
-          <ac:chgData name="mariel messi" userId="209479780009dfaa" providerId="LiveId" clId="{AC70C2CD-C176-4FA1-A7FA-3D089AA534AD}" dt="2022-03-20T14:31:08.118" v="105" actId="478"/>
-          <ac:spMkLst>
-            <pc:docMk/>
-            <pc:sldMk cId="0" sldId="270"/>
-            <ac:spMk id="571" creationId="{00000000-0000-0000-0000-000000000000}"/>
-          </ac:spMkLst>
-        </pc:spChg>
-        <pc:spChg chg="del">
-          <ac:chgData name="mariel messi" userId="209479780009dfaa" providerId="LiveId" clId="{AC70C2CD-C176-4FA1-A7FA-3D089AA534AD}" dt="2022-03-20T14:31:08.118" v="105" actId="478"/>
-          <ac:spMkLst>
-            <pc:docMk/>
-            <pc:sldMk cId="0" sldId="270"/>
-            <ac:spMk id="572" creationId="{00000000-0000-0000-0000-000000000000}"/>
-          </ac:spMkLst>
-        </pc:spChg>
-        <pc:spChg chg="del">
-          <ac:chgData name="mariel messi" userId="209479780009dfaa" providerId="LiveId" clId="{AC70C2CD-C176-4FA1-A7FA-3D089AA534AD}" dt="2022-03-20T14:31:08.118" v="105" actId="478"/>
-          <ac:spMkLst>
-            <pc:docMk/>
-            <pc:sldMk cId="0" sldId="270"/>
-            <ac:spMk id="573" creationId="{00000000-0000-0000-0000-000000000000}"/>
-          </ac:spMkLst>
-        </pc:spChg>
-        <pc:spChg chg="del">
-          <ac:chgData name="mariel messi" userId="209479780009dfaa" providerId="LiveId" clId="{AC70C2CD-C176-4FA1-A7FA-3D089AA534AD}" dt="2022-03-20T14:31:08.118" v="105" actId="478"/>
-          <ac:spMkLst>
-            <pc:docMk/>
-            <pc:sldMk cId="0" sldId="270"/>
-            <ac:spMk id="574" creationId="{00000000-0000-0000-0000-000000000000}"/>
-          </ac:spMkLst>
-        </pc:spChg>
-        <pc:spChg chg="del">
-          <ac:chgData name="mariel messi" userId="209479780009dfaa" providerId="LiveId" clId="{AC70C2CD-C176-4FA1-A7FA-3D089AA534AD}" dt="2022-03-20T14:31:08.118" v="105" actId="478"/>
-          <ac:spMkLst>
-            <pc:docMk/>
-            <pc:sldMk cId="0" sldId="270"/>
-            <ac:spMk id="575" creationId="{00000000-0000-0000-0000-000000000000}"/>
-          </ac:spMkLst>
-        </pc:spChg>
-        <pc:spChg chg="del">
-          <ac:chgData name="mariel messi" userId="209479780009dfaa" providerId="LiveId" clId="{AC70C2CD-C176-4FA1-A7FA-3D089AA534AD}" dt="2022-03-20T14:31:08.118" v="105" actId="478"/>
-          <ac:spMkLst>
-            <pc:docMk/>
-            <pc:sldMk cId="0" sldId="270"/>
-            <ac:spMk id="576" creationId="{00000000-0000-0000-0000-000000000000}"/>
-          </ac:spMkLst>
-        </pc:spChg>
-        <pc:spChg chg="del">
-          <ac:chgData name="mariel messi" userId="209479780009dfaa" providerId="LiveId" clId="{AC70C2CD-C176-4FA1-A7FA-3D089AA534AD}" dt="2022-03-20T14:31:08.118" v="105" actId="478"/>
-          <ac:spMkLst>
-            <pc:docMk/>
-            <pc:sldMk cId="0" sldId="270"/>
-            <ac:spMk id="577" creationId="{00000000-0000-0000-0000-000000000000}"/>
-          </ac:spMkLst>
-        </pc:spChg>
-        <pc:spChg chg="del">
-          <ac:chgData name="mariel messi" userId="209479780009dfaa" providerId="LiveId" clId="{AC70C2CD-C176-4FA1-A7FA-3D089AA534AD}" dt="2022-03-20T14:31:08.118" v="105" actId="478"/>
-          <ac:spMkLst>
-            <pc:docMk/>
-            <pc:sldMk cId="0" sldId="270"/>
-            <ac:spMk id="578" creationId="{00000000-0000-0000-0000-000000000000}"/>
-          </ac:spMkLst>
-        </pc:spChg>
-        <pc:spChg chg="del">
-          <ac:chgData name="mariel messi" userId="209479780009dfaa" providerId="LiveId" clId="{AC70C2CD-C176-4FA1-A7FA-3D089AA534AD}" dt="2022-03-20T14:31:08.118" v="105" actId="478"/>
-          <ac:spMkLst>
-            <pc:docMk/>
-            <pc:sldMk cId="0" sldId="270"/>
-            <ac:spMk id="579" creationId="{00000000-0000-0000-0000-000000000000}"/>
-          </ac:spMkLst>
-        </pc:spChg>
-        <pc:spChg chg="del">
-          <ac:chgData name="mariel messi" userId="209479780009dfaa" providerId="LiveId" clId="{AC70C2CD-C176-4FA1-A7FA-3D089AA534AD}" dt="2022-03-20T14:31:08.118" v="105" actId="478"/>
-          <ac:spMkLst>
-            <pc:docMk/>
-            <pc:sldMk cId="0" sldId="270"/>
-            <ac:spMk id="580" creationId="{00000000-0000-0000-0000-000000000000}"/>
-          </ac:spMkLst>
-        </pc:spChg>
-        <pc:spChg chg="del">
-          <ac:chgData name="mariel messi" userId="209479780009dfaa" providerId="LiveId" clId="{AC70C2CD-C176-4FA1-A7FA-3D089AA534AD}" dt="2022-03-20T14:31:08.118" v="105" actId="478"/>
-          <ac:spMkLst>
-            <pc:docMk/>
-            <pc:sldMk cId="0" sldId="270"/>
-            <ac:spMk id="581" creationId="{00000000-0000-0000-0000-000000000000}"/>
-          </ac:spMkLst>
-        </pc:spChg>
-        <pc:spChg chg="del">
-          <ac:chgData name="mariel messi" userId="209479780009dfaa" providerId="LiveId" clId="{AC70C2CD-C176-4FA1-A7FA-3D089AA534AD}" dt="2022-03-20T14:31:08.118" v="105" actId="478"/>
-          <ac:spMkLst>
-            <pc:docMk/>
-            <pc:sldMk cId="0" sldId="270"/>
-            <ac:spMk id="582" creationId="{00000000-0000-0000-0000-000000000000}"/>
-          </ac:spMkLst>
-        </pc:spChg>
-        <pc:spChg chg="del">
-          <ac:chgData name="mariel messi" userId="209479780009dfaa" providerId="LiveId" clId="{AC70C2CD-C176-4FA1-A7FA-3D089AA534AD}" dt="2022-03-20T14:31:08.118" v="105" actId="478"/>
-          <ac:spMkLst>
-            <pc:docMk/>
-            <pc:sldMk cId="0" sldId="270"/>
-            <ac:spMk id="583" creationId="{00000000-0000-0000-0000-000000000000}"/>
-          </ac:spMkLst>
-        </pc:spChg>
-        <pc:spChg chg="del">
-          <ac:chgData name="mariel messi" userId="209479780009dfaa" providerId="LiveId" clId="{AC70C2CD-C176-4FA1-A7FA-3D089AA534AD}" dt="2022-03-20T14:31:08.118" v="105" actId="478"/>
-          <ac:spMkLst>
-            <pc:docMk/>
-            <pc:sldMk cId="0" sldId="270"/>
-            <ac:spMk id="584" creationId="{00000000-0000-0000-0000-000000000000}"/>
-          </ac:spMkLst>
-        </pc:spChg>
-        <pc:spChg chg="del">
-          <ac:chgData name="mariel messi" userId="209479780009dfaa" providerId="LiveId" clId="{AC70C2CD-C176-4FA1-A7FA-3D089AA534AD}" dt="2022-03-20T14:31:08.118" v="105" actId="478"/>
-          <ac:spMkLst>
-            <pc:docMk/>
-            <pc:sldMk cId="0" sldId="270"/>
-            <ac:spMk id="585" creationId="{00000000-0000-0000-0000-000000000000}"/>
-          </ac:spMkLst>
-        </pc:spChg>
-        <pc:spChg chg="del">
-          <ac:chgData name="mariel messi" userId="209479780009dfaa" providerId="LiveId" clId="{AC70C2CD-C176-4FA1-A7FA-3D089AA534AD}" dt="2022-03-20T14:31:08.118" v="105" actId="478"/>
-          <ac:spMkLst>
-            <pc:docMk/>
-            <pc:sldMk cId="0" sldId="270"/>
-            <ac:spMk id="586" creationId="{00000000-0000-0000-0000-000000000000}"/>
-          </ac:spMkLst>
-        </pc:spChg>
-        <pc:spChg chg="del">
-          <ac:chgData name="mariel messi" userId="209479780009dfaa" providerId="LiveId" clId="{AC70C2CD-C176-4FA1-A7FA-3D089AA534AD}" dt="2022-03-20T14:31:08.118" v="105" actId="478"/>
-          <ac:spMkLst>
-            <pc:docMk/>
-            <pc:sldMk cId="0" sldId="270"/>
-            <ac:spMk id="587" creationId="{00000000-0000-0000-0000-000000000000}"/>
-          </ac:spMkLst>
-        </pc:spChg>
-        <pc:spChg chg="del">
-          <ac:chgData name="mariel messi" userId="209479780009dfaa" providerId="LiveId" clId="{AC70C2CD-C176-4FA1-A7FA-3D089AA534AD}" dt="2022-03-20T14:31:08.118" v="105" actId="478"/>
-          <ac:spMkLst>
-            <pc:docMk/>
-            <pc:sldMk cId="0" sldId="270"/>
-            <ac:spMk id="588" creationId="{00000000-0000-0000-0000-000000000000}"/>
-          </ac:spMkLst>
-        </pc:spChg>
-        <pc:spChg chg="del">
-          <ac:chgData name="mariel messi" userId="209479780009dfaa" providerId="LiveId" clId="{AC70C2CD-C176-4FA1-A7FA-3D089AA534AD}" dt="2022-03-20T14:31:08.118" v="105" actId="478"/>
-          <ac:spMkLst>
-            <pc:docMk/>
-            <pc:sldMk cId="0" sldId="270"/>
-            <ac:spMk id="589" creationId="{00000000-0000-0000-0000-000000000000}"/>
-          </ac:spMkLst>
-        </pc:spChg>
-        <pc:spChg chg="del">
-          <ac:chgData name="mariel messi" userId="209479780009dfaa" providerId="LiveId" clId="{AC70C2CD-C176-4FA1-A7FA-3D089AA534AD}" dt="2022-03-20T14:31:08.118" v="105" actId="478"/>
-          <ac:spMkLst>
-            <pc:docMk/>
-            <pc:sldMk cId="0" sldId="270"/>
-            <ac:spMk id="590" creationId="{00000000-0000-0000-0000-000000000000}"/>
-          </ac:spMkLst>
-        </pc:spChg>
-        <pc:picChg chg="add mod">
-          <ac:chgData name="mariel messi" userId="209479780009dfaa" providerId="LiveId" clId="{AC70C2CD-C176-4FA1-A7FA-3D089AA534AD}" dt="2022-03-20T14:38:40.523" v="135" actId="14100"/>
-          <ac:picMkLst>
-            <pc:docMk/>
-            <pc:sldMk cId="0" sldId="270"/>
-            <ac:picMk id="5" creationId="{3FB79AE8-D1B6-480D-9603-7624260F9E9C}"/>
-          </ac:picMkLst>
-        </pc:picChg>
-        <pc:picChg chg="del">
-          <ac:chgData name="mariel messi" userId="209479780009dfaa" providerId="LiveId" clId="{AC70C2CD-C176-4FA1-A7FA-3D089AA534AD}" dt="2022-03-20T14:31:08.118" v="105" actId="478"/>
-          <ac:picMkLst>
-            <pc:docMk/>
-            <pc:sldMk cId="0" sldId="270"/>
-            <ac:picMk id="534" creationId="{00000000-0000-0000-0000-000000000000}"/>
-          </ac:picMkLst>
-        </pc:picChg>
-      </pc:sldChg>
-      <pc:sldChg chg="del">
-        <pc:chgData name="mariel messi" userId="209479780009dfaa" providerId="LiveId" clId="{AC70C2CD-C176-4FA1-A7FA-3D089AA534AD}" dt="2022-03-20T15:36:26.849" v="814" actId="47"/>
-        <pc:sldMkLst>
-          <pc:docMk/>
-          <pc:sldMk cId="0" sldId="271"/>
-        </pc:sldMkLst>
-      </pc:sldChg>
-      <pc:sldChg chg="del">
-        <pc:chgData name="mariel messi" userId="209479780009dfaa" providerId="LiveId" clId="{AC70C2CD-C176-4FA1-A7FA-3D089AA534AD}" dt="2022-03-20T15:36:20.357" v="813" actId="47"/>
-        <pc:sldMkLst>
-          <pc:docMk/>
-          <pc:sldMk cId="0" sldId="272"/>
-        </pc:sldMkLst>
-      </pc:sldChg>
-      <pc:sldChg chg="del">
-        <pc:chgData name="mariel messi" userId="209479780009dfaa" providerId="LiveId" clId="{AC70C2CD-C176-4FA1-A7FA-3D089AA534AD}" dt="2022-03-20T15:36:20.357" v="813" actId="47"/>
-        <pc:sldMkLst>
-          <pc:docMk/>
-          <pc:sldMk cId="0" sldId="273"/>
-        </pc:sldMkLst>
-      </pc:sldChg>
-      <pc:sldChg chg="del">
-        <pc:chgData name="mariel messi" userId="209479780009dfaa" providerId="LiveId" clId="{AC70C2CD-C176-4FA1-A7FA-3D089AA534AD}" dt="2022-03-20T15:36:20.357" v="813" actId="47"/>
-        <pc:sldMkLst>
-          <pc:docMk/>
-          <pc:sldMk cId="0" sldId="274"/>
-        </pc:sldMkLst>
-      </pc:sldChg>
-      <pc:sldChg chg="del">
-        <pc:chgData name="mariel messi" userId="209479780009dfaa" providerId="LiveId" clId="{AC70C2CD-C176-4FA1-A7FA-3D089AA534AD}" dt="2022-03-20T15:36:20.357" v="813" actId="47"/>
-        <pc:sldMkLst>
-          <pc:docMk/>
-          <pc:sldMk cId="0" sldId="275"/>
-        </pc:sldMkLst>
-      </pc:sldChg>
-      <pc:sldChg chg="del">
-        <pc:chgData name="mariel messi" userId="209479780009dfaa" providerId="LiveId" clId="{AC70C2CD-C176-4FA1-A7FA-3D089AA534AD}" dt="2022-03-20T15:36:20.357" v="813" actId="47"/>
-        <pc:sldMkLst>
-          <pc:docMk/>
-          <pc:sldMk cId="0" sldId="276"/>
-        </pc:sldMkLst>
-      </pc:sldChg>
-      <pc:sldChg chg="del">
-        <pc:chgData name="mariel messi" userId="209479780009dfaa" providerId="LiveId" clId="{AC70C2CD-C176-4FA1-A7FA-3D089AA534AD}" dt="2022-03-20T15:36:15.712" v="812" actId="47"/>
-        <pc:sldMkLst>
-          <pc:docMk/>
-          <pc:sldMk cId="0" sldId="277"/>
-        </pc:sldMkLst>
-      </pc:sldChg>
-      <pc:sldChg chg="del">
-        <pc:chgData name="mariel messi" userId="209479780009dfaa" providerId="LiveId" clId="{AC70C2CD-C176-4FA1-A7FA-3D089AA534AD}" dt="2022-03-20T15:36:15.712" v="812" actId="47"/>
-        <pc:sldMkLst>
-          <pc:docMk/>
-          <pc:sldMk cId="0" sldId="278"/>
-        </pc:sldMkLst>
-      </pc:sldChg>
-      <pc:sldChg chg="del">
-        <pc:chgData name="mariel messi" userId="209479780009dfaa" providerId="LiveId" clId="{AC70C2CD-C176-4FA1-A7FA-3D089AA534AD}" dt="2022-03-20T15:36:15.712" v="812" actId="47"/>
-        <pc:sldMkLst>
-          <pc:docMk/>
-          <pc:sldMk cId="0" sldId="279"/>
-        </pc:sldMkLst>
-      </pc:sldChg>
-      <pc:sldChg chg="del">
-        <pc:chgData name="mariel messi" userId="209479780009dfaa" providerId="LiveId" clId="{AC70C2CD-C176-4FA1-A7FA-3D089AA534AD}" dt="2022-03-20T15:36:15.712" v="812" actId="47"/>
-        <pc:sldMkLst>
-          <pc:docMk/>
-          <pc:sldMk cId="0" sldId="280"/>
-        </pc:sldMkLst>
-      </pc:sldChg>
-      <pc:sldChg chg="del">
-        <pc:chgData name="mariel messi" userId="209479780009dfaa" providerId="LiveId" clId="{AC70C2CD-C176-4FA1-A7FA-3D089AA534AD}" dt="2022-03-20T15:36:15.712" v="812" actId="47"/>
-        <pc:sldMkLst>
-          <pc:docMk/>
-          <pc:sldMk cId="0" sldId="281"/>
-        </pc:sldMkLst>
-      </pc:sldChg>
-      <pc:sldChg chg="del">
-        <pc:chgData name="mariel messi" userId="209479780009dfaa" providerId="LiveId" clId="{AC70C2CD-C176-4FA1-A7FA-3D089AA534AD}" dt="2022-03-20T15:36:15.712" v="812" actId="47"/>
-        <pc:sldMkLst>
-          <pc:docMk/>
-          <pc:sldMk cId="0" sldId="282"/>
-        </pc:sldMkLst>
-      </pc:sldChg>
-      <pc:sldChg chg="del">
-        <pc:chgData name="mariel messi" userId="209479780009dfaa" providerId="LiveId" clId="{AC70C2CD-C176-4FA1-A7FA-3D089AA534AD}" dt="2022-03-20T15:36:09.178" v="811" actId="47"/>
-        <pc:sldMkLst>
-          <pc:docMk/>
-          <pc:sldMk cId="0" sldId="283"/>
-        </pc:sldMkLst>
-      </pc:sldChg>
-      <pc:sldChg chg="del">
-        <pc:chgData name="mariel messi" userId="209479780009dfaa" providerId="LiveId" clId="{AC70C2CD-C176-4FA1-A7FA-3D089AA534AD}" dt="2022-03-20T15:36:09.178" v="811" actId="47"/>
-        <pc:sldMkLst>
-          <pc:docMk/>
-          <pc:sldMk cId="0" sldId="284"/>
-        </pc:sldMkLst>
-      </pc:sldChg>
-      <pc:sldChg chg="del">
-        <pc:chgData name="mariel messi" userId="209479780009dfaa" providerId="LiveId" clId="{AC70C2CD-C176-4FA1-A7FA-3D089AA534AD}" dt="2022-03-20T15:36:09.178" v="811" actId="47"/>
-        <pc:sldMkLst>
-          <pc:docMk/>
-          <pc:sldMk cId="0" sldId="285"/>
-        </pc:sldMkLst>
-      </pc:sldChg>
-      <pc:sldChg chg="del">
-        <pc:chgData name="mariel messi" userId="209479780009dfaa" providerId="LiveId" clId="{AC70C2CD-C176-4FA1-A7FA-3D089AA534AD}" dt="2022-03-20T15:36:09.178" v="811" actId="47"/>
-        <pc:sldMkLst>
-          <pc:docMk/>
-          <pc:sldMk cId="0" sldId="286"/>
-        </pc:sldMkLst>
-      </pc:sldChg>
-      <pc:sldChg chg="del">
-        <pc:chgData name="mariel messi" userId="209479780009dfaa" providerId="LiveId" clId="{AC70C2CD-C176-4FA1-A7FA-3D089AA534AD}" dt="2022-03-20T15:36:09.178" v="811" actId="47"/>
-        <pc:sldMkLst>
-          <pc:docMk/>
-          <pc:sldMk cId="0" sldId="287"/>
-        </pc:sldMkLst>
-      </pc:sldChg>
-      <pc:sldChg chg="del">
-        <pc:chgData name="mariel messi" userId="209479780009dfaa" providerId="LiveId" clId="{AC70C2CD-C176-4FA1-A7FA-3D089AA534AD}" dt="2022-03-20T15:36:09.178" v="811" actId="47"/>
-        <pc:sldMkLst>
-          <pc:docMk/>
-          <pc:sldMk cId="0" sldId="288"/>
-        </pc:sldMkLst>
-      </pc:sldChg>
-      <pc:sldChg chg="del">
-        <pc:chgData name="mariel messi" userId="209479780009dfaa" providerId="LiveId" clId="{AC70C2CD-C176-4FA1-A7FA-3D089AA534AD}" dt="2022-03-20T15:36:09.178" v="811" actId="47"/>
-        <pc:sldMkLst>
-          <pc:docMk/>
-          <pc:sldMk cId="0" sldId="289"/>
-        </pc:sldMkLst>
-      </pc:sldChg>
-      <pc:sldChg chg="del">
-        <pc:chgData name="mariel messi" userId="209479780009dfaa" providerId="LiveId" clId="{AC70C2CD-C176-4FA1-A7FA-3D089AA534AD}" dt="2022-03-20T15:36:09.178" v="811" actId="47"/>
-        <pc:sldMkLst>
-          <pc:docMk/>
-          <pc:sldMk cId="0" sldId="290"/>
-        </pc:sldMkLst>
-      </pc:sldChg>
-      <pc:sldChg chg="del">
-        <pc:chgData name="mariel messi" userId="209479780009dfaa" providerId="LiveId" clId="{AC70C2CD-C176-4FA1-A7FA-3D089AA534AD}" dt="2022-03-20T15:36:09.178" v="811" actId="47"/>
-        <pc:sldMkLst>
-          <pc:docMk/>
-          <pc:sldMk cId="0" sldId="291"/>
-        </pc:sldMkLst>
-      </pc:sldChg>
-      <pc:sldChg chg="del">
-        <pc:chgData name="mariel messi" userId="209479780009dfaa" providerId="LiveId" clId="{AC70C2CD-C176-4FA1-A7FA-3D089AA534AD}" dt="2022-03-20T15:36:09.178" v="811" actId="47"/>
-        <pc:sldMkLst>
-          <pc:docMk/>
-          <pc:sldMk cId="0" sldId="292"/>
-        </pc:sldMkLst>
-      </pc:sldChg>
-      <pc:sldChg chg="del">
-        <pc:chgData name="mariel messi" userId="209479780009dfaa" providerId="LiveId" clId="{AC70C2CD-C176-4FA1-A7FA-3D089AA534AD}" dt="2022-03-20T15:36:09.178" v="811" actId="47"/>
-        <pc:sldMkLst>
-          <pc:docMk/>
-          <pc:sldMk cId="0" sldId="293"/>
-        </pc:sldMkLst>
-      </pc:sldChg>
-      <pc:sldChg chg="del">
-        <pc:chgData name="mariel messi" userId="209479780009dfaa" providerId="LiveId" clId="{AC70C2CD-C176-4FA1-A7FA-3D089AA534AD}" dt="2022-03-20T15:36:09.178" v="811" actId="47"/>
-        <pc:sldMkLst>
-          <pc:docMk/>
-          <pc:sldMk cId="0" sldId="294"/>
-        </pc:sldMkLst>
-      </pc:sldChg>
-      <pc:sldChg chg="del">
-        <pc:chgData name="mariel messi" userId="209479780009dfaa" providerId="LiveId" clId="{AC70C2CD-C176-4FA1-A7FA-3D089AA534AD}" dt="2022-03-20T15:36:09.178" v="811" actId="47"/>
-        <pc:sldMkLst>
-          <pc:docMk/>
-          <pc:sldMk cId="0" sldId="295"/>
-        </pc:sldMkLst>
-      </pc:sldChg>
-      <pc:sldChg chg="del">
-        <pc:chgData name="mariel messi" userId="209479780009dfaa" providerId="LiveId" clId="{AC70C2CD-C176-4FA1-A7FA-3D089AA534AD}" dt="2022-03-20T15:35:55.870" v="810" actId="47"/>
-        <pc:sldMkLst>
-          <pc:docMk/>
-          <pc:sldMk cId="0" sldId="296"/>
-        </pc:sldMkLst>
-      </pc:sldChg>
-      <pc:sldChg chg="del">
-        <pc:chgData name="mariel messi" userId="209479780009dfaa" providerId="LiveId" clId="{AC70C2CD-C176-4FA1-A7FA-3D089AA534AD}" dt="2022-03-20T15:35:54.176" v="809" actId="47"/>
-        <pc:sldMkLst>
-          <pc:docMk/>
-          <pc:sldMk cId="0" sldId="297"/>
-        </pc:sldMkLst>
-      </pc:sldChg>
-      <pc:sldChg chg="del">
-        <pc:chgData name="mariel messi" userId="209479780009dfaa" providerId="LiveId" clId="{AC70C2CD-C176-4FA1-A7FA-3D089AA534AD}" dt="2022-03-20T15:35:52.208" v="808" actId="47"/>
-        <pc:sldMkLst>
-          <pc:docMk/>
-          <pc:sldMk cId="0" sldId="298"/>
-        </pc:sldMkLst>
-      </pc:sldChg>
-      <pc:sldChg chg="del">
-        <pc:chgData name="mariel messi" userId="209479780009dfaa" providerId="LiveId" clId="{AC70C2CD-C176-4FA1-A7FA-3D089AA534AD}" dt="2022-03-20T15:35:51.371" v="807" actId="47"/>
-        <pc:sldMkLst>
-          <pc:docMk/>
-          <pc:sldMk cId="0" sldId="299"/>
-        </pc:sldMkLst>
-      </pc:sldChg>
-      <pc:sldChg chg="del">
-        <pc:chgData name="mariel messi" userId="209479780009dfaa" providerId="LiveId" clId="{AC70C2CD-C176-4FA1-A7FA-3D089AA534AD}" dt="2022-03-20T15:35:50.542" v="806" actId="47"/>
-        <pc:sldMkLst>
-          <pc:docMk/>
-          <pc:sldMk cId="0" sldId="300"/>
-        </pc:sldMkLst>
-      </pc:sldChg>
-      <pc:sldChg chg="modSp mod">
-        <pc:chgData name="mariel messi" userId="209479780009dfaa" providerId="LiveId" clId="{AC70C2CD-C176-4FA1-A7FA-3D089AA534AD}" dt="2022-03-20T15:24:48.896" v="578" actId="1076"/>
-        <pc:sldMkLst>
-          <pc:docMk/>
-          <pc:sldMk cId="290381691" sldId="302"/>
-        </pc:sldMkLst>
-        <pc:spChg chg="mod">
-          <ac:chgData name="mariel messi" userId="209479780009dfaa" providerId="LiveId" clId="{AC70C2CD-C176-4FA1-A7FA-3D089AA534AD}" dt="2022-03-20T15:24:48.896" v="578" actId="1076"/>
-          <ac:spMkLst>
-            <pc:docMk/>
-            <pc:sldMk cId="290381691" sldId="302"/>
-            <ac:spMk id="380" creationId="{00000000-0000-0000-0000-000000000000}"/>
-          </ac:spMkLst>
-        </pc:spChg>
-      </pc:sldChg>
-      <pc:sldChg chg="modSp mod">
-        <pc:chgData name="mariel messi" userId="209479780009dfaa" providerId="LiveId" clId="{AC70C2CD-C176-4FA1-A7FA-3D089AA534AD}" dt="2022-03-20T14:58:38.738" v="269" actId="20577"/>
-        <pc:sldMkLst>
-          <pc:docMk/>
-          <pc:sldMk cId="956104191" sldId="304"/>
-        </pc:sldMkLst>
-        <pc:spChg chg="mod">
-          <ac:chgData name="mariel messi" userId="209479780009dfaa" providerId="LiveId" clId="{AC70C2CD-C176-4FA1-A7FA-3D089AA534AD}" dt="2022-03-20T14:58:38.738" v="269" actId="20577"/>
-          <ac:spMkLst>
-            <pc:docMk/>
-            <pc:sldMk cId="956104191" sldId="304"/>
-            <ac:spMk id="380" creationId="{00000000-0000-0000-0000-000000000000}"/>
-          </ac:spMkLst>
-        </pc:spChg>
-        <pc:spChg chg="mod">
-          <ac:chgData name="mariel messi" userId="209479780009dfaa" providerId="LiveId" clId="{AC70C2CD-C176-4FA1-A7FA-3D089AA534AD}" dt="2022-03-20T14:48:17.628" v="223" actId="1076"/>
-          <ac:spMkLst>
-            <pc:docMk/>
-            <pc:sldMk cId="956104191" sldId="304"/>
-            <ac:spMk id="381" creationId="{00000000-0000-0000-0000-000000000000}"/>
-          </ac:spMkLst>
-        </pc:spChg>
-      </pc:sldChg>
-      <pc:sldChg chg="modSp mod">
-        <pc:chgData name="mariel messi" userId="209479780009dfaa" providerId="LiveId" clId="{AC70C2CD-C176-4FA1-A7FA-3D089AA534AD}" dt="2022-03-20T15:19:41.496" v="509" actId="20577"/>
-        <pc:sldMkLst>
-          <pc:docMk/>
-          <pc:sldMk cId="519004053" sldId="305"/>
-        </pc:sldMkLst>
-        <pc:spChg chg="mod">
-          <ac:chgData name="mariel messi" userId="209479780009dfaa" providerId="LiveId" clId="{AC70C2CD-C176-4FA1-A7FA-3D089AA534AD}" dt="2022-03-20T15:19:41.496" v="509" actId="20577"/>
-          <ac:spMkLst>
-            <pc:docMk/>
-            <pc:sldMk cId="519004053" sldId="305"/>
-            <ac:spMk id="374" creationId="{00000000-0000-0000-0000-000000000000}"/>
-          </ac:spMkLst>
-        </pc:spChg>
-      </pc:sldChg>
-      <pc:sldChg chg="modSp mod">
-        <pc:chgData name="mariel messi" userId="209479780009dfaa" providerId="LiveId" clId="{AC70C2CD-C176-4FA1-A7FA-3D089AA534AD}" dt="2022-03-20T15:22:46.323" v="517" actId="20577"/>
-        <pc:sldMkLst>
-          <pc:docMk/>
-          <pc:sldMk cId="4248565442" sldId="306"/>
-        </pc:sldMkLst>
-        <pc:spChg chg="mod">
-          <ac:chgData name="mariel messi" userId="209479780009dfaa" providerId="LiveId" clId="{AC70C2CD-C176-4FA1-A7FA-3D089AA534AD}" dt="2022-03-20T15:22:46.323" v="517" actId="20577"/>
-          <ac:spMkLst>
-            <pc:docMk/>
-            <pc:sldMk cId="4248565442" sldId="306"/>
-            <ac:spMk id="380" creationId="{00000000-0000-0000-0000-000000000000}"/>
-          </ac:spMkLst>
-        </pc:spChg>
-      </pc:sldChg>
-      <pc:sldChg chg="modSp add del mod">
-        <pc:chgData name="mariel messi" userId="209479780009dfaa" providerId="LiveId" clId="{AC70C2CD-C176-4FA1-A7FA-3D089AA534AD}" dt="2022-03-20T14:30:05.059" v="91" actId="2696"/>
-        <pc:sldMkLst>
-          <pc:docMk/>
-          <pc:sldMk cId="1552890634" sldId="307"/>
-        </pc:sldMkLst>
-        <pc:spChg chg="mod">
-          <ac:chgData name="mariel messi" userId="209479780009dfaa" providerId="LiveId" clId="{AC70C2CD-C176-4FA1-A7FA-3D089AA534AD}" dt="2022-03-20T14:30:01.876" v="90" actId="1076"/>
-          <ac:spMkLst>
-            <pc:docMk/>
-            <pc:sldMk cId="1552890634" sldId="307"/>
-            <ac:spMk id="381" creationId="{00000000-0000-0000-0000-000000000000}"/>
-          </ac:spMkLst>
-        </pc:spChg>
-      </pc:sldChg>
-      <pc:sldChg chg="addSp delSp modSp add mod ord">
-        <pc:chgData name="mariel messi" userId="209479780009dfaa" providerId="LiveId" clId="{AC70C2CD-C176-4FA1-A7FA-3D089AA534AD}" dt="2022-03-20T15:12:24.907" v="353"/>
-        <pc:sldMkLst>
-          <pc:docMk/>
-          <pc:sldMk cId="1685877574" sldId="307"/>
-        </pc:sldMkLst>
-        <pc:spChg chg="add del mod">
-          <ac:chgData name="mariel messi" userId="209479780009dfaa" providerId="LiveId" clId="{AC70C2CD-C176-4FA1-A7FA-3D089AA534AD}" dt="2022-03-20T15:11:38.577" v="351" actId="478"/>
-          <ac:spMkLst>
-            <pc:docMk/>
-            <pc:sldMk cId="1685877574" sldId="307"/>
-            <ac:spMk id="2" creationId="{A576D2A9-AEA0-4506-88E6-012A1B4D22AA}"/>
-          </ac:spMkLst>
-        </pc:spChg>
-        <pc:spChg chg="add mod">
-          <ac:chgData name="mariel messi" userId="209479780009dfaa" providerId="LiveId" clId="{AC70C2CD-C176-4FA1-A7FA-3D089AA534AD}" dt="2022-03-20T15:11:34.274" v="349" actId="207"/>
-          <ac:spMkLst>
-            <pc:docMk/>
-            <pc:sldMk cId="1685877574" sldId="307"/>
-            <ac:spMk id="11" creationId="{9E52DA2B-3604-4B15-9D60-27969B794F89}"/>
-          </ac:spMkLst>
-        </pc:spChg>
-        <pc:spChg chg="add del mod">
-          <ac:chgData name="mariel messi" userId="209479780009dfaa" providerId="LiveId" clId="{AC70C2CD-C176-4FA1-A7FA-3D089AA534AD}" dt="2022-03-20T15:03:14.070" v="323" actId="478"/>
-          <ac:spMkLst>
-            <pc:docMk/>
-            <pc:sldMk cId="1685877574" sldId="307"/>
-            <ac:spMk id="13" creationId="{FEC270D7-2C0F-48B0-B637-BB39DFA7E56F}"/>
-          </ac:spMkLst>
-        </pc:spChg>
-        <pc:spChg chg="mod">
-          <ac:chgData name="mariel messi" userId="209479780009dfaa" providerId="LiveId" clId="{AC70C2CD-C176-4FA1-A7FA-3D089AA534AD}" dt="2022-03-20T14:36:05.625" v="119" actId="20577"/>
-          <ac:spMkLst>
-            <pc:docMk/>
-            <pc:sldMk cId="1685877574" sldId="307"/>
-            <ac:spMk id="532" creationId="{00000000-0000-0000-0000-000000000000}"/>
-          </ac:spMkLst>
-        </pc:spChg>
-        <pc:picChg chg="add mod">
-          <ac:chgData name="mariel messi" userId="209479780009dfaa" providerId="LiveId" clId="{AC70C2CD-C176-4FA1-A7FA-3D089AA534AD}" dt="2022-03-20T15:05:24.398" v="337"/>
-          <ac:picMkLst>
-            <pc:docMk/>
-            <pc:sldMk cId="1685877574" sldId="307"/>
-            <ac:picMk id="4" creationId="{4FEE04C1-B171-49DB-8F40-23F74DC8C06A}"/>
-          </ac:picMkLst>
-        </pc:picChg>
-        <pc:picChg chg="add mod">
-          <ac:chgData name="mariel messi" userId="209479780009dfaa" providerId="LiveId" clId="{AC70C2CD-C176-4FA1-A7FA-3D089AA534AD}" dt="2022-03-20T15:05:33.063" v="338"/>
-          <ac:picMkLst>
-            <pc:docMk/>
-            <pc:sldMk cId="1685877574" sldId="307"/>
-            <ac:picMk id="6" creationId="{DD6DD0C3-4CD6-427A-85EF-198525852F3D}"/>
-          </ac:picMkLst>
-        </pc:picChg>
-        <pc:picChg chg="add mod">
-          <ac:chgData name="mariel messi" userId="209479780009dfaa" providerId="LiveId" clId="{AC70C2CD-C176-4FA1-A7FA-3D089AA534AD}" dt="2022-03-20T15:12:24.907" v="353"/>
-          <ac:picMkLst>
-            <pc:docMk/>
-            <pc:sldMk cId="1685877574" sldId="307"/>
-            <ac:picMk id="8" creationId="{F82BAD50-2250-4EDF-B859-8A001B1CCC9C}"/>
-          </ac:picMkLst>
-        </pc:picChg>
-        <pc:picChg chg="add mod">
-          <ac:chgData name="mariel messi" userId="209479780009dfaa" providerId="LiveId" clId="{AC70C2CD-C176-4FA1-A7FA-3D089AA534AD}" dt="2022-03-20T15:12:05.822" v="352"/>
-          <ac:picMkLst>
-            <pc:docMk/>
-            <pc:sldMk cId="1685877574" sldId="307"/>
-            <ac:picMk id="10" creationId="{90AAF416-577B-4117-8ABC-C15CD6F22A57}"/>
-          </ac:picMkLst>
-        </pc:picChg>
-      </pc:sldChg>
-      <pc:sldChg chg="delSp modSp add del mod">
-        <pc:chgData name="mariel messi" userId="209479780009dfaa" providerId="LiveId" clId="{AC70C2CD-C176-4FA1-A7FA-3D089AA534AD}" dt="2022-03-20T15:01:41.302" v="297" actId="47"/>
-        <pc:sldMkLst>
-          <pc:docMk/>
-          <pc:sldMk cId="1255206714" sldId="308"/>
-        </pc:sldMkLst>
-        <pc:spChg chg="del">
-          <ac:chgData name="mariel messi" userId="209479780009dfaa" providerId="LiveId" clId="{AC70C2CD-C176-4FA1-A7FA-3D089AA534AD}" dt="2022-03-20T15:00:18.180" v="272" actId="478"/>
-          <ac:spMkLst>
-            <pc:docMk/>
-            <pc:sldMk cId="1255206714" sldId="308"/>
-            <ac:spMk id="2" creationId="{A576D2A9-AEA0-4506-88E6-012A1B4D22AA}"/>
-          </ac:spMkLst>
-        </pc:spChg>
-        <pc:spChg chg="mod">
-          <ac:chgData name="mariel messi" userId="209479780009dfaa" providerId="LiveId" clId="{AC70C2CD-C176-4FA1-A7FA-3D089AA534AD}" dt="2022-03-20T15:00:35.104" v="288" actId="20577"/>
-          <ac:spMkLst>
-            <pc:docMk/>
-            <pc:sldMk cId="1255206714" sldId="308"/>
-            <ac:spMk id="532" creationId="{00000000-0000-0000-0000-000000000000}"/>
-          </ac:spMkLst>
-        </pc:spChg>
-        <pc:picChg chg="del">
-          <ac:chgData name="mariel messi" userId="209479780009dfaa" providerId="LiveId" clId="{AC70C2CD-C176-4FA1-A7FA-3D089AA534AD}" dt="2022-03-20T15:00:14.709" v="271" actId="478"/>
-          <ac:picMkLst>
-            <pc:docMk/>
-            <pc:sldMk cId="1255206714" sldId="308"/>
-            <ac:picMk id="4" creationId="{4FEE04C1-B171-49DB-8F40-23F74DC8C06A}"/>
-          </ac:picMkLst>
-        </pc:picChg>
-        <pc:picChg chg="del">
-          <ac:chgData name="mariel messi" userId="209479780009dfaa" providerId="LiveId" clId="{AC70C2CD-C176-4FA1-A7FA-3D089AA534AD}" dt="2022-03-20T15:00:19.234" v="273" actId="478"/>
-          <ac:picMkLst>
-            <pc:docMk/>
-            <pc:sldMk cId="1255206714" sldId="308"/>
-            <ac:picMk id="6" creationId="{DD6DD0C3-4CD6-427A-85EF-198525852F3D}"/>
-          </ac:picMkLst>
-        </pc:picChg>
-        <pc:picChg chg="mod">
-          <ac:chgData name="mariel messi" userId="209479780009dfaa" providerId="LiveId" clId="{AC70C2CD-C176-4FA1-A7FA-3D089AA534AD}" dt="2022-03-20T15:01:01.047" v="296" actId="14100"/>
-          <ac:picMkLst>
-            <pc:docMk/>
-            <pc:sldMk cId="1255206714" sldId="308"/>
-            <ac:picMk id="8" creationId="{F82BAD50-2250-4EDF-B859-8A001B1CCC9C}"/>
-          </ac:picMkLst>
-        </pc:picChg>
-        <pc:picChg chg="mod">
-          <ac:chgData name="mariel messi" userId="209479780009dfaa" providerId="LiveId" clId="{AC70C2CD-C176-4FA1-A7FA-3D089AA534AD}" dt="2022-03-20T15:00:45.863" v="292" actId="14100"/>
-          <ac:picMkLst>
-            <pc:docMk/>
-            <pc:sldMk cId="1255206714" sldId="308"/>
-            <ac:picMk id="10" creationId="{90AAF416-577B-4117-8ABC-C15CD6F22A57}"/>
-          </ac:picMkLst>
-        </pc:picChg>
-      </pc:sldChg>
-      <pc:sldMasterChg chg="delSldLayout">
-        <pc:chgData name="mariel messi" userId="209479780009dfaa" providerId="LiveId" clId="{AC70C2CD-C176-4FA1-A7FA-3D089AA534AD}" dt="2022-03-20T15:36:30.101" v="815" actId="47"/>
-        <pc:sldMasterMkLst>
-          <pc:docMk/>
-          <pc:sldMasterMk cId="0" sldId="2147483672"/>
-        </pc:sldMasterMkLst>
-        <pc:sldLayoutChg chg="del">
-          <pc:chgData name="mariel messi" userId="209479780009dfaa" providerId="LiveId" clId="{AC70C2CD-C176-4FA1-A7FA-3D089AA534AD}" dt="2022-03-20T15:36:15.712" v="812" actId="47"/>
-          <pc:sldLayoutMkLst>
-            <pc:docMk/>
-            <pc:sldMasterMk cId="0" sldId="2147483672"/>
-            <pc:sldLayoutMk cId="0" sldId="2147483649"/>
-          </pc:sldLayoutMkLst>
-        </pc:sldLayoutChg>
-        <pc:sldLayoutChg chg="del">
-          <pc:chgData name="mariel messi" userId="209479780009dfaa" providerId="LiveId" clId="{AC70C2CD-C176-4FA1-A7FA-3D089AA534AD}" dt="2022-03-20T15:36:20.357" v="813" actId="47"/>
-          <pc:sldLayoutMkLst>
-            <pc:docMk/>
-            <pc:sldMasterMk cId="0" sldId="2147483672"/>
-            <pc:sldLayoutMk cId="0" sldId="2147483652"/>
-          </pc:sldLayoutMkLst>
-        </pc:sldLayoutChg>
-        <pc:sldLayoutChg chg="del">
-          <pc:chgData name="mariel messi" userId="209479780009dfaa" providerId="LiveId" clId="{AC70C2CD-C176-4FA1-A7FA-3D089AA534AD}" dt="2022-03-20T15:36:30.101" v="815" actId="47"/>
-          <pc:sldLayoutMkLst>
-            <pc:docMk/>
-            <pc:sldMasterMk cId="0" sldId="2147483672"/>
-            <pc:sldLayoutMk cId="0" sldId="2147483653"/>
-          </pc:sldLayoutMkLst>
-        </pc:sldLayoutChg>
-        <pc:sldLayoutChg chg="del">
-          <pc:chgData name="mariel messi" userId="209479780009dfaa" providerId="LiveId" clId="{AC70C2CD-C176-4FA1-A7FA-3D089AA534AD}" dt="2022-03-20T15:36:15.712" v="812" actId="47"/>
-          <pc:sldLayoutMkLst>
-            <pc:docMk/>
-            <pc:sldMasterMk cId="0" sldId="2147483672"/>
-            <pc:sldLayoutMk cId="0" sldId="2147483654"/>
-          </pc:sldLayoutMkLst>
-        </pc:sldLayoutChg>
-        <pc:sldLayoutChg chg="del">
-          <pc:chgData name="mariel messi" userId="209479780009dfaa" providerId="LiveId" clId="{AC70C2CD-C176-4FA1-A7FA-3D089AA534AD}" dt="2022-03-20T15:36:20.357" v="813" actId="47"/>
-          <pc:sldLayoutMkLst>
-            <pc:docMk/>
-            <pc:sldMasterMk cId="0" sldId="2147483672"/>
-            <pc:sldLayoutMk cId="0" sldId="2147483657"/>
-          </pc:sldLayoutMkLst>
-        </pc:sldLayoutChg>
-        <pc:sldLayoutChg chg="del">
-          <pc:chgData name="mariel messi" userId="209479780009dfaa" providerId="LiveId" clId="{AC70C2CD-C176-4FA1-A7FA-3D089AA534AD}" dt="2022-03-20T15:36:26.849" v="814" actId="47"/>
-          <pc:sldLayoutMkLst>
-            <pc:docMk/>
-            <pc:sldMasterMk cId="0" sldId="2147483672"/>
-            <pc:sldLayoutMk cId="0" sldId="2147483658"/>
-          </pc:sldLayoutMkLst>
-        </pc:sldLayoutChg>
-        <pc:sldLayoutChg chg="del">
-          <pc:chgData name="mariel messi" userId="209479780009dfaa" providerId="LiveId" clId="{AC70C2CD-C176-4FA1-A7FA-3D089AA534AD}" dt="2022-03-20T15:36:26.849" v="814" actId="47"/>
-          <pc:sldLayoutMkLst>
-            <pc:docMk/>
-            <pc:sldMasterMk cId="0" sldId="2147483672"/>
-            <pc:sldLayoutMk cId="0" sldId="2147483660"/>
-          </pc:sldLayoutMkLst>
-        </pc:sldLayoutChg>
-        <pc:sldLayoutChg chg="del">
-          <pc:chgData name="mariel messi" userId="209479780009dfaa" providerId="LiveId" clId="{AC70C2CD-C176-4FA1-A7FA-3D089AA534AD}" dt="2022-03-20T15:36:20.357" v="813" actId="47"/>
-          <pc:sldLayoutMkLst>
-            <pc:docMk/>
-            <pc:sldMasterMk cId="0" sldId="2147483672"/>
-            <pc:sldLayoutMk cId="0" sldId="2147483661"/>
-          </pc:sldLayoutMkLst>
-        </pc:sldLayoutChg>
-        <pc:sldLayoutChg chg="del">
-          <pc:chgData name="mariel messi" userId="209479780009dfaa" providerId="LiveId" clId="{AC70C2CD-C176-4FA1-A7FA-3D089AA534AD}" dt="2022-03-20T15:36:30.101" v="815" actId="47"/>
-          <pc:sldLayoutMkLst>
-            <pc:docMk/>
-            <pc:sldMasterMk cId="0" sldId="2147483672"/>
-            <pc:sldLayoutMk cId="0" sldId="2147483662"/>
-          </pc:sldLayoutMkLst>
-        </pc:sldLayoutChg>
-        <pc:sldLayoutChg chg="del">
-          <pc:chgData name="mariel messi" userId="209479780009dfaa" providerId="LiveId" clId="{AC70C2CD-C176-4FA1-A7FA-3D089AA534AD}" dt="2022-03-20T15:36:15.712" v="812" actId="47"/>
-          <pc:sldLayoutMkLst>
-            <pc:docMk/>
-            <pc:sldMasterMk cId="0" sldId="2147483672"/>
-            <pc:sldLayoutMk cId="0" sldId="2147483663"/>
-          </pc:sldLayoutMkLst>
-        </pc:sldLayoutChg>
-        <pc:sldLayoutChg chg="del">
-          <pc:chgData name="mariel messi" userId="209479780009dfaa" providerId="LiveId" clId="{AC70C2CD-C176-4FA1-A7FA-3D089AA534AD}" dt="2022-03-20T15:36:15.712" v="812" actId="47"/>
-          <pc:sldLayoutMkLst>
-            <pc:docMk/>
-            <pc:sldMasterMk cId="0" sldId="2147483672"/>
-            <pc:sldLayoutMk cId="0" sldId="2147483664"/>
-          </pc:sldLayoutMkLst>
-        </pc:sldLayoutChg>
-        <pc:sldLayoutChg chg="del">
-          <pc:chgData name="mariel messi" userId="209479780009dfaa" providerId="LiveId" clId="{AC70C2CD-C176-4FA1-A7FA-3D089AA534AD}" dt="2022-03-20T15:36:20.357" v="813" actId="47"/>
-          <pc:sldLayoutMkLst>
-            <pc:docMk/>
-            <pc:sldMasterMk cId="0" sldId="2147483672"/>
-            <pc:sldLayoutMk cId="0" sldId="2147483666"/>
-          </pc:sldLayoutMkLst>
-        </pc:sldLayoutChg>
-        <pc:sldLayoutChg chg="del">
-          <pc:chgData name="mariel messi" userId="209479780009dfaa" providerId="LiveId" clId="{AC70C2CD-C176-4FA1-A7FA-3D089AA534AD}" dt="2022-03-20T15:36:20.357" v="813" actId="47"/>
-          <pc:sldLayoutMkLst>
-            <pc:docMk/>
-            <pc:sldMasterMk cId="0" sldId="2147483672"/>
-            <pc:sldLayoutMk cId="0" sldId="2147483668"/>
-          </pc:sldLayoutMkLst>
-        </pc:sldLayoutChg>
-        <pc:sldLayoutChg chg="del">
-          <pc:chgData name="mariel messi" userId="209479780009dfaa" providerId="LiveId" clId="{AC70C2CD-C176-4FA1-A7FA-3D089AA534AD}" dt="2022-03-20T15:36:26.849" v="814" actId="47"/>
-          <pc:sldLayoutMkLst>
-            <pc:docMk/>
-            <pc:sldMasterMk cId="0" sldId="2147483672"/>
-            <pc:sldLayoutMk cId="0" sldId="2147483669"/>
-          </pc:sldLayoutMkLst>
-        </pc:sldLayoutChg>
-        <pc:sldLayoutChg chg="del">
-          <pc:chgData name="mariel messi" userId="209479780009dfaa" providerId="LiveId" clId="{AC70C2CD-C176-4FA1-A7FA-3D089AA534AD}" dt="2022-03-20T15:36:26.849" v="814" actId="47"/>
-          <pc:sldLayoutMkLst>
-            <pc:docMk/>
-            <pc:sldMasterMk cId="0" sldId="2147483672"/>
-            <pc:sldLayoutMk cId="0" sldId="2147483670"/>
-          </pc:sldLayoutMkLst>
-        </pc:sldLayoutChg>
-      </pc:sldMasterChg>
-      <pc:sldMasterChg chg="del delSldLayout">
-        <pc:chgData name="mariel messi" userId="209479780009dfaa" providerId="LiveId" clId="{AC70C2CD-C176-4FA1-A7FA-3D089AA534AD}" dt="2022-03-20T15:36:09.178" v="811" actId="47"/>
-        <pc:sldMasterMkLst>
-          <pc:docMk/>
-          <pc:sldMasterMk cId="0" sldId="2147483673"/>
-        </pc:sldMasterMkLst>
-        <pc:sldLayoutChg chg="del">
-          <pc:chgData name="mariel messi" userId="209479780009dfaa" providerId="LiveId" clId="{AC70C2CD-C176-4FA1-A7FA-3D089AA534AD}" dt="2022-03-20T15:36:09.178" v="811" actId="47"/>
-          <pc:sldLayoutMkLst>
-            <pc:docMk/>
-            <pc:sldMasterMk cId="0" sldId="2147483673"/>
-            <pc:sldLayoutMk cId="0" sldId="2147483671"/>
-          </pc:sldLayoutMkLst>
-        </pc:sldLayoutChg>
-      </pc:sldMasterChg>
-    </pc:docChg>
-  </pc:docChgLst>
-</pc:chgInfo>
 </file>
 
 <file path=ppt/notesMasters/notesMaster1.xml><?xml version="1.0" encoding="utf-8"?>
@@ -14431,7 +13166,7 @@
         </p:blipFill>
         <p:spPr>
           <a:xfrm>
-            <a:off x="7577194" y="0"/>
+            <a:off x="7607740" y="0"/>
             <a:ext cx="1542422" cy="603556"/>
           </a:xfrm>
           <a:prstGeom prst="rect">
@@ -14461,7 +13196,7 @@
         </p:blipFill>
         <p:spPr>
           <a:xfrm>
-            <a:off x="6662901" y="11430"/>
+            <a:off x="6662901" y="-12193"/>
             <a:ext cx="621846" cy="615749"/>
           </a:xfrm>
           <a:prstGeom prst="rect">
@@ -14773,8 +13508,16 @@
               <a:buNone/>
             </a:pPr>
             <a:r>
+              <a:rPr lang="en-GB" dirty="0" err="1"/>
+              <a:t>Opensea</a:t>
+            </a:r>
+            <a:r>
               <a:rPr lang="en-GB" dirty="0"/>
-              <a:t>Opensea</a:t>
+              <a:t> &amp; </a:t>
+            </a:r>
+            <a:r>
+              <a:rPr lang="en-GB" dirty="0" err="1"/>
+              <a:t>Morallis</a:t>
             </a:r>
             <a:endParaRPr dirty="0"/>
           </a:p>
@@ -15745,9 +14488,21 @@
               <a:buChar char="•"/>
             </a:pPr>
             <a:r>
-              <a:rPr lang="en-GB" sz="1800" b="1" dirty="0"/>
+              <a:rPr lang="en-GB" sz="1800" b="1" dirty="0" err="1"/>
               <a:t>Opensea</a:t>
             </a:r>
+            <a:endParaRPr lang="en-GB" sz="1800" b="1" dirty="0"/>
+          </a:p>
+          <a:p>
+            <a:pPr marL="952500" lvl="1" indent="-342900" algn="l">
+              <a:buFont typeface="Arial" panose="020B0604020202020204" pitchFamily="34" charset="0"/>
+              <a:buChar char="•"/>
+            </a:pPr>
+            <a:r>
+              <a:rPr lang="en-GB" sz="1800" b="1" dirty="0" err="1"/>
+              <a:t>Morallis</a:t>
+            </a:r>
+            <a:endParaRPr lang="en-GB" sz="1800" b="1" dirty="0"/>
           </a:p>
           <a:p>
             <a:pPr marL="952500" lvl="1" indent="-342900" algn="l">
@@ -16457,9 +15212,21 @@
           <a:p>
             <a:pPr marL="285750" indent="-285750" algn="l"/>
             <a:r>
-              <a:rPr lang="en-GB" sz="2800" dirty="0"/>
+              <a:rPr lang="en-GB" sz="2800" dirty="0" err="1"/>
               <a:t>Opensea</a:t>
             </a:r>
+            <a:br>
+              <a:rPr lang="en-GB" sz="2800" dirty="0"/>
+            </a:br>
+            <a:endParaRPr lang="en-GB" sz="2800" dirty="0"/>
+          </a:p>
+          <a:p>
+            <a:pPr marL="285750" indent="-285750" algn="l"/>
+            <a:r>
+              <a:rPr lang="en-US" sz="2800" dirty="0" err="1"/>
+              <a:t>Morallis</a:t>
+            </a:r>
+            <a:endParaRPr lang="en-GB" sz="2800" dirty="0"/>
           </a:p>
         </p:txBody>
       </p:sp>
